--- a/Higgs and SMEFT/Luminosity estimation.pptx
+++ b/Higgs and SMEFT/Luminosity estimation.pptx
@@ -9,6 +9,7 @@
     <p:sldId id="257" r:id="rId3"/>
     <p:sldId id="259" r:id="rId4"/>
     <p:sldId id="258" r:id="rId5"/>
+    <p:sldId id="261" r:id="rId6"/>
   </p:sldIdLst>
   <p:sldSz cx="12192000" cy="6858000"/>
   <p:notesSz cx="6858000" cy="9144000"/>
@@ -107,6 +108,11 @@
       </a:defRPr>
     </a:lvl9pPr>
   </p:defaultTextStyle>
+  <p:extLst>
+    <p:ext uri="{EFAFB233-063F-42B5-8137-9DF3F51BA10A}">
+      <p15:sldGuideLst xmlns:p15="http://schemas.microsoft.com/office/powerpoint/2012/main"/>
+    </p:ext>
+  </p:extLst>
 </p:presentation>
 </file>
 
@@ -14087,8 +14093,8 @@
         </p:nvSpPr>
         <p:spPr>
           <a:xfrm>
-            <a:off x="3158960" y="1515212"/>
-            <a:ext cx="2669320" cy="276999"/>
+            <a:off x="3120488" y="1515212"/>
+            <a:ext cx="2746265" cy="276999"/>
           </a:xfrm>
           <a:prstGeom prst="rect">
             <a:avLst/>
@@ -14104,7 +14110,7 @@
             <a:pPr algn="ctr"/>
             <a:r>
               <a:rPr lang="en-US" altLang="ko-KR" sz="1200" dirty="0"/>
-              <a:t>Model parameters (mass, width, … etc.)</a:t>
+              <a:t>Model parameters (mass, width, … , etc.)</a:t>
             </a:r>
             <a:endParaRPr lang="ko-KR" altLang="en-US" sz="1200" dirty="0"/>
           </a:p>
@@ -14557,6 +14563,297 @@
     <p:extLst>
       <p:ext uri="{BB962C8B-B14F-4D97-AF65-F5344CB8AC3E}">
         <p14:creationId xmlns:p14="http://schemas.microsoft.com/office/powerpoint/2010/main" val="906862030"/>
+      </p:ext>
+    </p:extLst>
+  </p:cSld>
+  <p:clrMapOvr>
+    <a:masterClrMapping/>
+  </p:clrMapOvr>
+</p:sld>
+</file>
+
+<file path=ppt/slides/slide5.xml><?xml version="1.0" encoding="utf-8"?>
+<p:sld xmlns:a="http://schemas.openxmlformats.org/drawingml/2006/main" xmlns:r="http://schemas.openxmlformats.org/officeDocument/2006/relationships" xmlns:p="http://schemas.openxmlformats.org/presentationml/2006/main">
+  <p:cSld>
+    <p:spTree>
+      <p:nvGrpSpPr>
+        <p:cNvPr id="1" name="">
+          <a:extLst>
+            <a:ext uri="{FF2B5EF4-FFF2-40B4-BE49-F238E27FC236}">
+              <a16:creationId xmlns:a16="http://schemas.microsoft.com/office/drawing/2014/main" id="{17E1B28B-C519-81F1-2AD2-AD6D806D92AF}"/>
+            </a:ext>
+          </a:extLst>
+        </p:cNvPr>
+        <p:cNvGrpSpPr/>
+        <p:nvPr/>
+      </p:nvGrpSpPr>
+      <p:grpSpPr>
+        <a:xfrm>
+          <a:off x="0" y="0"/>
+          <a:ext cx="0" cy="0"/>
+          <a:chOff x="0" y="0"/>
+          <a:chExt cx="0" cy="0"/>
+        </a:xfrm>
+      </p:grpSpPr>
+      <p:sp>
+        <p:nvSpPr>
+          <p:cNvPr id="4" name="TextBox 3">
+            <a:extLst>
+              <a:ext uri="{FF2B5EF4-FFF2-40B4-BE49-F238E27FC236}">
+                <a16:creationId xmlns:a16="http://schemas.microsoft.com/office/drawing/2014/main" id="{28EFACFF-F87A-5B60-BE4E-539BD58B3814}"/>
+              </a:ext>
+            </a:extLst>
+          </p:cNvPr>
+          <p:cNvSpPr txBox="1"/>
+          <p:nvPr/>
+        </p:nvSpPr>
+        <p:spPr>
+          <a:xfrm>
+            <a:off x="157099" y="145014"/>
+            <a:ext cx="5328703" cy="584775"/>
+          </a:xfrm>
+          <a:prstGeom prst="rect">
+            <a:avLst/>
+          </a:prstGeom>
+          <a:noFill/>
+        </p:spPr>
+        <p:txBody>
+          <a:bodyPr wrap="none" rtlCol="0">
+            <a:spAutoFit/>
+          </a:bodyPr>
+          <a:lstStyle/>
+          <a:p>
+            <a:r>
+              <a:rPr lang="en-US" altLang="ko-KR" sz="3200" dirty="0">
+                <a:latin typeface="Times New Roman" panose="02020603050405020304" pitchFamily="18" charset="0"/>
+                <a:ea typeface="NanumMyeongjoOTF ExtraBold" panose="02020603020101020101" pitchFamily="18" charset="-127"/>
+                <a:cs typeface="Times New Roman" panose="02020603050405020304" pitchFamily="18" charset="0"/>
+              </a:rPr>
+              <a:t>Analysis points and parameters</a:t>
+            </a:r>
+            <a:endParaRPr lang="ko-KR" altLang="en-US" sz="3200" dirty="0">
+              <a:latin typeface="Times New Roman" panose="02020603050405020304" pitchFamily="18" charset="0"/>
+              <a:ea typeface="NanumMyeongjoOTF ExtraBold" panose="02020603020101020101" pitchFamily="18" charset="-127"/>
+              <a:cs typeface="Times New Roman" panose="02020603050405020304" pitchFamily="18" charset="0"/>
+            </a:endParaRPr>
+          </a:p>
+        </p:txBody>
+      </p:sp>
+      <p:sp>
+        <p:nvSpPr>
+          <p:cNvPr id="2" name="TextBox 1">
+            <a:extLst>
+              <a:ext uri="{FF2B5EF4-FFF2-40B4-BE49-F238E27FC236}">
+                <a16:creationId xmlns:a16="http://schemas.microsoft.com/office/drawing/2014/main" id="{37892B4E-2C39-B010-69AF-8292C7189564}"/>
+              </a:ext>
+            </a:extLst>
+          </p:cNvPr>
+          <p:cNvSpPr txBox="1"/>
+          <p:nvPr/>
+        </p:nvSpPr>
+        <p:spPr>
+          <a:xfrm>
+            <a:off x="527694" y="786184"/>
+            <a:ext cx="10654712" cy="461665"/>
+          </a:xfrm>
+          <a:prstGeom prst="rect">
+            <a:avLst/>
+          </a:prstGeom>
+          <a:noFill/>
+        </p:spPr>
+        <p:txBody>
+          <a:bodyPr wrap="none" rtlCol="0">
+            <a:spAutoFit/>
+          </a:bodyPr>
+          <a:lstStyle/>
+          <a:p>
+            <a:r>
+              <a:rPr lang="en-US" altLang="ko-KR" sz="2400" dirty="0"/>
+              <a:t>Mass        : 400 GeV (Can be produced in both ILC and LHC, many</a:t>
+            </a:r>
+            <a:r>
+              <a:rPr lang="ko-KR" altLang="en-US" sz="2400" dirty="0"/>
+              <a:t> </a:t>
+            </a:r>
+            <a:r>
+              <a:rPr lang="en-US" altLang="ko-KR" sz="2400" dirty="0"/>
+              <a:t>analysis</a:t>
+            </a:r>
+            <a:r>
+              <a:rPr lang="ko-KR" altLang="en-US" sz="2400" dirty="0"/>
+              <a:t> </a:t>
+            </a:r>
+            <a:r>
+              <a:rPr lang="en-US" altLang="ko-KR" sz="2400" dirty="0"/>
+              <a:t>papers)</a:t>
+            </a:r>
+            <a:endParaRPr lang="ko-KR" altLang="en-US" sz="2400" dirty="0"/>
+          </a:p>
+        </p:txBody>
+      </p:sp>
+      <p:pic>
+        <p:nvPicPr>
+          <p:cNvPr id="3" name="Picture 2" descr="\documentclass{article}&#10;\usepackage{amsmath}&#10;\pagestyle{empty}&#10;\begin{document}&#10;\[m_{X}\]&#10;\end{document}" title="IguanaTex Bitmap Display">
+            <a:extLst>
+              <a:ext uri="{FF2B5EF4-FFF2-40B4-BE49-F238E27FC236}">
+                <a16:creationId xmlns:a16="http://schemas.microsoft.com/office/drawing/2014/main" id="{367B9D9B-CE11-1EE9-81B3-480665DDF5B5}"/>
+              </a:ext>
+            </a:extLst>
+          </p:cNvPr>
+          <p:cNvPicPr>
+            <a:picLocks noChangeAspect="1"/>
+          </p:cNvPicPr>
+          <p:nvPr>
+            <p:custDataLst>
+              <p:tags r:id="rId1"/>
+            </p:custDataLst>
+          </p:nvPr>
+        </p:nvPicPr>
+        <p:blipFill>
+          <a:blip r:embed="rId4">
+            <a:extLst>
+              <a:ext uri="{28A0092B-C50C-407E-A947-70E740481C1C}">
+                <a14:useLocalDpi xmlns:a14="http://schemas.microsoft.com/office/drawing/2010/main" val="0"/>
+              </a:ext>
+            </a:extLst>
+          </a:blip>
+          <a:stretch>
+            <a:fillRect/>
+          </a:stretch>
+        </p:blipFill>
+        <p:spPr>
+          <a:xfrm>
+            <a:off x="1390046" y="989325"/>
+            <a:ext cx="458972" cy="179200"/>
+          </a:xfrm>
+          <a:prstGeom prst="rect">
+            <a:avLst/>
+          </a:prstGeom>
+        </p:spPr>
+      </p:pic>
+      <p:sp>
+        <p:nvSpPr>
+          <p:cNvPr id="5" name="TextBox 4">
+            <a:extLst>
+              <a:ext uri="{FF2B5EF4-FFF2-40B4-BE49-F238E27FC236}">
+                <a16:creationId xmlns:a16="http://schemas.microsoft.com/office/drawing/2014/main" id="{D87D0E01-32A2-EC18-C167-3FB76E78A16E}"/>
+              </a:ext>
+            </a:extLst>
+          </p:cNvPr>
+          <p:cNvSpPr txBox="1"/>
+          <p:nvPr/>
+        </p:nvSpPr>
+        <p:spPr>
+          <a:xfrm>
+            <a:off x="527694" y="1329318"/>
+            <a:ext cx="8493222" cy="830997"/>
+          </a:xfrm>
+          <a:prstGeom prst="rect">
+            <a:avLst/>
+          </a:prstGeom>
+          <a:noFill/>
+        </p:spPr>
+        <p:txBody>
+          <a:bodyPr wrap="none" rtlCol="0">
+            <a:spAutoFit/>
+          </a:bodyPr>
+          <a:lstStyle/>
+          <a:p>
+            <a:r>
+              <a:rPr lang="en-GB" altLang="ko-KR" sz="2400" dirty="0"/>
+              <a:t>Momentum resolution: ~5% for dimuon (typical in ATLAS, CMS)</a:t>
+            </a:r>
+          </a:p>
+          <a:p>
+            <a:r>
+              <a:rPr lang="en-GB" altLang="ko-KR" sz="2400" dirty="0"/>
+              <a:t>                                      ⇒</a:t>
+            </a:r>
+          </a:p>
+        </p:txBody>
+      </p:sp>
+      <p:sp>
+        <p:nvSpPr>
+          <p:cNvPr id="7" name="TextBox 6">
+            <a:extLst>
+              <a:ext uri="{FF2B5EF4-FFF2-40B4-BE49-F238E27FC236}">
+                <a16:creationId xmlns:a16="http://schemas.microsoft.com/office/drawing/2014/main" id="{F6DFAE9F-8EA4-5CD8-8A31-22E322CA0A9F}"/>
+              </a:ext>
+            </a:extLst>
+          </p:cNvPr>
+          <p:cNvSpPr txBox="1"/>
+          <p:nvPr/>
+        </p:nvSpPr>
+        <p:spPr>
+          <a:xfrm>
+            <a:off x="8829802" y="1375484"/>
+            <a:ext cx="1281120" cy="369332"/>
+          </a:xfrm>
+          <a:prstGeom prst="rect">
+            <a:avLst/>
+          </a:prstGeom>
+          <a:noFill/>
+        </p:spPr>
+        <p:txBody>
+          <a:bodyPr wrap="none" rtlCol="0">
+            <a:spAutoFit/>
+          </a:bodyPr>
+          <a:lstStyle/>
+          <a:p>
+            <a:r>
+              <a:rPr lang="en-US" altLang="ko-KR" dirty="0">
+                <a:hlinkClick r:id="rId5"/>
+              </a:rPr>
+              <a:t>2212.07338</a:t>
+            </a:r>
+            <a:endParaRPr lang="ko-KR" altLang="en-US" dirty="0"/>
+          </a:p>
+        </p:txBody>
+      </p:sp>
+      <p:pic>
+        <p:nvPicPr>
+          <p:cNvPr id="10" name="Picture 9" descr="\documentclass{article}&#10;\usepackage{amsmath}&#10;\pagestyle{empty}&#10;\begin{document}&#10;\[\Gamma_{X}&gt;20\,\mathrm{GeV}\]&#10;\end{document}" title="IguanaTex Bitmap Display">
+            <a:extLst>
+              <a:ext uri="{FF2B5EF4-FFF2-40B4-BE49-F238E27FC236}">
+                <a16:creationId xmlns:a16="http://schemas.microsoft.com/office/drawing/2014/main" id="{F62A8333-097D-160A-0084-A8499B9F51E6}"/>
+              </a:ext>
+            </a:extLst>
+          </p:cNvPr>
+          <p:cNvPicPr>
+            <a:picLocks noChangeAspect="1"/>
+          </p:cNvPicPr>
+          <p:nvPr>
+            <p:custDataLst>
+              <p:tags r:id="rId2"/>
+            </p:custDataLst>
+          </p:nvPr>
+        </p:nvPicPr>
+        <p:blipFill>
+          <a:blip r:embed="rId6">
+            <a:extLst>
+              <a:ext uri="{28A0092B-C50C-407E-A947-70E740481C1C}">
+                <a14:useLocalDpi xmlns:a14="http://schemas.microsoft.com/office/drawing/2010/main" val="0"/>
+              </a:ext>
+            </a:extLst>
+          </a:blip>
+          <a:stretch>
+            <a:fillRect/>
+          </a:stretch>
+        </p:blipFill>
+        <p:spPr>
+          <a:xfrm>
+            <a:off x="3882230" y="1826518"/>
+            <a:ext cx="1766402" cy="259657"/>
+          </a:xfrm>
+          <a:prstGeom prst="rect">
+            <a:avLst/>
+          </a:prstGeom>
+        </p:spPr>
+      </p:pic>
+    </p:spTree>
+    <p:extLst>
+      <p:ext uri="{BB962C8B-B14F-4D97-AF65-F5344CB8AC3E}">
+        <p14:creationId xmlns:p14="http://schemas.microsoft.com/office/powerpoint/2010/main" val="2933547766"/>
       </p:ext>
     </p:extLst>
   </p:cSld>
@@ -14646,6 +14943,42 @@
   <p:tag name="LATEXADDIN" val="\documentclass{article}&#10;\usepackage{amsmath}&#10;\pagestyle{empty}&#10;\begin{document}&#10;\[m_{X}\]&#10;\end{document}"/>
   <p:tag name="IGUANATEXSIZE" val="24"/>
   <p:tag name="IGUANATEXCURSOR" val="87"/>
+  <p:tag name="TRANSPARENCY" val="True"/>
+  <p:tag name="LATEXENGINEID" val="0"/>
+  <p:tag name="TEMPFOLDER" val="c:\temp\"/>
+  <p:tag name="LATEXFORMHEIGHT" val="312"/>
+  <p:tag name="LATEXFORMWIDTH" val="384"/>
+  <p:tag name="LATEXFORMWRAP" val="True"/>
+  <p:tag name="BITMAPVECTOR" val="0"/>
+</p:tagLst>
+</file>
+
+<file path=ppt/tags/tag6.xml><?xml version="1.0" encoding="utf-8"?>
+<p:tagLst xmlns:a="http://schemas.openxmlformats.org/drawingml/2006/main" xmlns:r="http://schemas.openxmlformats.org/officeDocument/2006/relationships" xmlns:p="http://schemas.openxmlformats.org/presentationml/2006/main">
+  <p:tag name="OUTPUTDPI" val="1200"/>
+  <p:tag name="ORIGINALHEIGHT" val="73.49078"/>
+  <p:tag name="ORIGINALWIDTH" val="188.2265"/>
+  <p:tag name="LATEXADDIN" val="\documentclass{article}&#10;\usepackage{amsmath}&#10;\pagestyle{empty}&#10;\begin{document}&#10;\[m_{X}\]&#10;\end{document}"/>
+  <p:tag name="IGUANATEXSIZE" val="24"/>
+  <p:tag name="IGUANATEXCURSOR" val="87"/>
+  <p:tag name="TRANSPARENCY" val="True"/>
+  <p:tag name="LATEXENGINEID" val="0"/>
+  <p:tag name="TEMPFOLDER" val="c:\temp\"/>
+  <p:tag name="LATEXFORMHEIGHT" val="312"/>
+  <p:tag name="LATEXFORMWIDTH" val="384"/>
+  <p:tag name="LATEXFORMWRAP" val="True"/>
+  <p:tag name="BITMAPVECTOR" val="0"/>
+</p:tagLst>
+</file>
+
+<file path=ppt/tags/tag7.xml><?xml version="1.0" encoding="utf-8"?>
+<p:tagLst xmlns:a="http://schemas.openxmlformats.org/drawingml/2006/main" xmlns:r="http://schemas.openxmlformats.org/officeDocument/2006/relationships" xmlns:p="http://schemas.openxmlformats.org/presentationml/2006/main">
+  <p:tag name="OUTPUTDPI" val="1200"/>
+  <p:tag name="ORIGINALHEIGHT" val="106.4867"/>
+  <p:tag name="ORIGINALWIDTH" val="724.4094"/>
+  <p:tag name="LATEXADDIN" val="\documentclass{article}&#10;\usepackage{amsmath}&#10;\pagestyle{empty}&#10;\begin{document}&#10;\[\Gamma_{X}&gt;20\,\mathrm{GeV}\]&#10;\end{document}"/>
+  <p:tag name="IGUANATEXSIZE" val="24"/>
+  <p:tag name="IGUANATEXCURSOR" val="109"/>
   <p:tag name="TRANSPARENCY" val="True"/>
   <p:tag name="LATEXENGINEID" val="0"/>
   <p:tag name="TEMPFOLDER" val="c:\temp\"/>
